--- a/Presentation2.pptx
+++ b/Presentation2.pptx
@@ -7,6 +7,7 @@
   <p:sldIdLst>
     <p:sldId id="256" r:id="rId2"/>
     <p:sldId id="257" r:id="rId3"/>
+    <p:sldId id="258" r:id="rId4"/>
   </p:sldIdLst>
   <p:sldSz cx="12192000" cy="6858000"/>
   <p:notesSz cx="6858000" cy="9144000"/>
@@ -7480,10 +7481,316 @@
           </a:graphicData>
         </a:graphic>
       </p:graphicFrame>
+      <p:pic>
+        <p:nvPicPr>
+          <p:cNvPr id="2068" name="Picture 20" descr="Management Archives - Softwarezguru">
+            <a:extLst>
+              <a:ext uri="{FF2B5EF4-FFF2-40B4-BE49-F238E27FC236}">
+                <a16:creationId xmlns:a16="http://schemas.microsoft.com/office/drawing/2014/main" id="{FA183389-EE5A-4093-8F7B-F97661486A19}"/>
+              </a:ext>
+            </a:extLst>
+          </p:cNvPr>
+          <p:cNvPicPr>
+            <a:picLocks noChangeAspect="1" noChangeArrowheads="1"/>
+          </p:cNvPicPr>
+          <p:nvPr/>
+        </p:nvPicPr>
+        <p:blipFill>
+          <a:blip r:embed="rId17">
+            <a:extLst>
+              <a:ext uri="{28A0092B-C50C-407E-A947-70E740481C1C}">
+                <a14:useLocalDpi xmlns:a14="http://schemas.microsoft.com/office/drawing/2010/main" val="0"/>
+              </a:ext>
+            </a:extLst>
+          </a:blip>
+          <a:srcRect/>
+          <a:stretch>
+            <a:fillRect/>
+          </a:stretch>
+        </p:blipFill>
+        <p:spPr bwMode="auto">
+          <a:xfrm>
+            <a:off x="3441835" y="4546329"/>
+            <a:ext cx="1851398" cy="1851398"/>
+          </a:xfrm>
+          <a:prstGeom prst="rect">
+            <a:avLst/>
+          </a:prstGeom>
+          <a:noFill/>
+          <a:extLst>
+            <a:ext uri="{909E8E84-426E-40DD-AFC4-6F175D3DCCD1}">
+              <a14:hiddenFill xmlns:a14="http://schemas.microsoft.com/office/drawing/2010/main">
+                <a:solidFill>
+                  <a:srgbClr val="FFFFFF"/>
+                </a:solidFill>
+              </a14:hiddenFill>
+            </a:ext>
+          </a:extLst>
+        </p:spPr>
+      </p:pic>
+      <p:pic>
+        <p:nvPicPr>
+          <p:cNvPr id="2070" name="Picture 22" descr="Close Button PNG, Close Button Transparent Background - FreeIconsPNG">
+            <a:extLst>
+              <a:ext uri="{FF2B5EF4-FFF2-40B4-BE49-F238E27FC236}">
+                <a16:creationId xmlns:a16="http://schemas.microsoft.com/office/drawing/2014/main" id="{E8742B8C-F630-4AC5-A520-72B036F0E51C}"/>
+              </a:ext>
+            </a:extLst>
+          </p:cNvPr>
+          <p:cNvPicPr>
+            <a:picLocks noChangeAspect="1" noChangeArrowheads="1"/>
+          </p:cNvPicPr>
+          <p:nvPr/>
+        </p:nvPicPr>
+        <p:blipFill>
+          <a:blip r:embed="rId18">
+            <a:extLst>
+              <a:ext uri="{28A0092B-C50C-407E-A947-70E740481C1C}">
+                <a14:useLocalDpi xmlns:a14="http://schemas.microsoft.com/office/drawing/2010/main" val="0"/>
+              </a:ext>
+            </a:extLst>
+          </a:blip>
+          <a:srcRect/>
+          <a:stretch>
+            <a:fillRect/>
+          </a:stretch>
+        </p:blipFill>
+        <p:spPr bwMode="auto">
+          <a:xfrm>
+            <a:off x="4608646" y="579420"/>
+            <a:ext cx="1524000" cy="1524000"/>
+          </a:xfrm>
+          <a:prstGeom prst="rect">
+            <a:avLst/>
+          </a:prstGeom>
+          <a:noFill/>
+          <a:extLst>
+            <a:ext uri="{909E8E84-426E-40DD-AFC4-6F175D3DCCD1}">
+              <a14:hiddenFill xmlns:a14="http://schemas.microsoft.com/office/drawing/2010/main">
+                <a:solidFill>
+                  <a:srgbClr val="FFFFFF"/>
+                </a:solidFill>
+              </a14:hiddenFill>
+            </a:ext>
+          </a:extLst>
+        </p:spPr>
+      </p:pic>
     </p:spTree>
     <p:extLst>
       <p:ext uri="{BB962C8B-B14F-4D97-AF65-F5344CB8AC3E}">
         <p14:creationId xmlns:p14="http://schemas.microsoft.com/office/powerpoint/2010/main" val="779513302"/>
+      </p:ext>
+    </p:extLst>
+  </p:cSld>
+  <p:clrMapOvr>
+    <a:masterClrMapping/>
+  </p:clrMapOvr>
+</p:sld>
+</file>
+
+<file path=ppt/slides/slide3.xml><?xml version="1.0" encoding="utf-8"?>
+<p:sld xmlns:a="http://schemas.openxmlformats.org/drawingml/2006/main" xmlns:r="http://schemas.openxmlformats.org/officeDocument/2006/relationships" xmlns:p="http://schemas.openxmlformats.org/presentationml/2006/main">
+  <p:cSld>
+    <p:spTree>
+      <p:nvGrpSpPr>
+        <p:cNvPr id="1" name=""/>
+        <p:cNvGrpSpPr/>
+        <p:nvPr/>
+      </p:nvGrpSpPr>
+      <p:grpSpPr>
+        <a:xfrm>
+          <a:off x="0" y="0"/>
+          <a:ext cx="0" cy="0"/>
+          <a:chOff x="0" y="0"/>
+          <a:chExt cx="0" cy="0"/>
+        </a:xfrm>
+      </p:grpSpPr>
+      <p:pic>
+        <p:nvPicPr>
+          <p:cNvPr id="3074" name="Picture 2" descr="3,000+ Sapling Pictures">
+            <a:extLst>
+              <a:ext uri="{FF2B5EF4-FFF2-40B4-BE49-F238E27FC236}">
+                <a16:creationId xmlns:a16="http://schemas.microsoft.com/office/drawing/2014/main" id="{A3DCEA86-3EF7-40CC-9DC4-9DB71D382739}"/>
+              </a:ext>
+            </a:extLst>
+          </p:cNvPr>
+          <p:cNvPicPr>
+            <a:picLocks noChangeAspect="1" noChangeArrowheads="1"/>
+          </p:cNvPicPr>
+          <p:nvPr/>
+        </p:nvPicPr>
+        <p:blipFill>
+          <a:blip r:embed="rId2">
+            <a:extLst>
+              <a:ext uri="{28A0092B-C50C-407E-A947-70E740481C1C}">
+                <a14:useLocalDpi xmlns:a14="http://schemas.microsoft.com/office/drawing/2010/main" val="0"/>
+              </a:ext>
+            </a:extLst>
+          </a:blip>
+          <a:srcRect/>
+          <a:stretch>
+            <a:fillRect/>
+          </a:stretch>
+        </p:blipFill>
+        <p:spPr bwMode="auto">
+          <a:xfrm>
+            <a:off x="2500774" y="268083"/>
+            <a:ext cx="4424131" cy="2947065"/>
+          </a:xfrm>
+          <a:prstGeom prst="rect">
+            <a:avLst/>
+          </a:prstGeom>
+          <a:noFill/>
+          <a:extLst>
+            <a:ext uri="{909E8E84-426E-40DD-AFC4-6F175D3DCCD1}">
+              <a14:hiddenFill xmlns:a14="http://schemas.microsoft.com/office/drawing/2010/main">
+                <a:solidFill>
+                  <a:srgbClr val="FFFFFF"/>
+                </a:solidFill>
+              </a14:hiddenFill>
+            </a:ext>
+          </a:extLst>
+        </p:spPr>
+      </p:pic>
+      <p:pic>
+        <p:nvPicPr>
+          <p:cNvPr id="3076" name="Picture 4" descr="How to Water Plants">
+            <a:extLst>
+              <a:ext uri="{FF2B5EF4-FFF2-40B4-BE49-F238E27FC236}">
+                <a16:creationId xmlns:a16="http://schemas.microsoft.com/office/drawing/2014/main" id="{CAACF303-A859-48DB-AE7B-B95473A215DA}"/>
+              </a:ext>
+            </a:extLst>
+          </p:cNvPr>
+          <p:cNvPicPr>
+            <a:picLocks noChangeAspect="1" noChangeArrowheads="1"/>
+          </p:cNvPicPr>
+          <p:nvPr/>
+        </p:nvPicPr>
+        <p:blipFill>
+          <a:blip r:embed="rId3">
+            <a:extLst>
+              <a:ext uri="{28A0092B-C50C-407E-A947-70E740481C1C}">
+                <a14:useLocalDpi xmlns:a14="http://schemas.microsoft.com/office/drawing/2010/main" val="0"/>
+              </a:ext>
+            </a:extLst>
+          </a:blip>
+          <a:srcRect/>
+          <a:stretch>
+            <a:fillRect/>
+          </a:stretch>
+        </p:blipFill>
+        <p:spPr bwMode="auto">
+          <a:xfrm>
+            <a:off x="436305" y="3875752"/>
+            <a:ext cx="3880055" cy="2387726"/>
+          </a:xfrm>
+          <a:prstGeom prst="rect">
+            <a:avLst/>
+          </a:prstGeom>
+          <a:noFill/>
+          <a:extLst>
+            <a:ext uri="{909E8E84-426E-40DD-AFC4-6F175D3DCCD1}">
+              <a14:hiddenFill xmlns:a14="http://schemas.microsoft.com/office/drawing/2010/main">
+                <a:solidFill>
+                  <a:srgbClr val="FFFFFF"/>
+                </a:solidFill>
+              </a14:hiddenFill>
+            </a:ext>
+          </a:extLst>
+        </p:spPr>
+      </p:pic>
+      <p:pic>
+        <p:nvPicPr>
+          <p:cNvPr id="3078" name="Picture 6" descr="Best Time to Water Plants | When to Water Plants">
+            <a:extLst>
+              <a:ext uri="{FF2B5EF4-FFF2-40B4-BE49-F238E27FC236}">
+                <a16:creationId xmlns:a16="http://schemas.microsoft.com/office/drawing/2014/main" id="{8A1865FA-F83E-4C2E-B6FA-7AEE67B96A99}"/>
+              </a:ext>
+            </a:extLst>
+          </p:cNvPr>
+          <p:cNvPicPr>
+            <a:picLocks noChangeAspect="1" noChangeArrowheads="1"/>
+          </p:cNvPicPr>
+          <p:nvPr/>
+        </p:nvPicPr>
+        <p:blipFill>
+          <a:blip r:embed="rId4">
+            <a:extLst>
+              <a:ext uri="{28A0092B-C50C-407E-A947-70E740481C1C}">
+                <a14:useLocalDpi xmlns:a14="http://schemas.microsoft.com/office/drawing/2010/main" val="0"/>
+              </a:ext>
+            </a:extLst>
+          </a:blip>
+          <a:srcRect/>
+          <a:stretch>
+            <a:fillRect/>
+          </a:stretch>
+        </p:blipFill>
+        <p:spPr bwMode="auto">
+          <a:xfrm>
+            <a:off x="4095750" y="928687"/>
+            <a:ext cx="8096250" cy="5000625"/>
+          </a:xfrm>
+          <a:prstGeom prst="rect">
+            <a:avLst/>
+          </a:prstGeom>
+          <a:noFill/>
+          <a:extLst>
+            <a:ext uri="{909E8E84-426E-40DD-AFC4-6F175D3DCCD1}">
+              <a14:hiddenFill xmlns:a14="http://schemas.microsoft.com/office/drawing/2010/main">
+                <a:solidFill>
+                  <a:srgbClr val="FFFFFF"/>
+                </a:solidFill>
+              </a14:hiddenFill>
+            </a:ext>
+          </a:extLst>
+        </p:spPr>
+      </p:pic>
+      <p:sp>
+        <p:nvSpPr>
+          <p:cNvPr id="2" name="TextBox 1">
+            <a:extLst>
+              <a:ext uri="{FF2B5EF4-FFF2-40B4-BE49-F238E27FC236}">
+                <a16:creationId xmlns:a16="http://schemas.microsoft.com/office/drawing/2014/main" id="{E7CB959E-B68B-47A8-8B5F-BDC20A4C193F}"/>
+              </a:ext>
+            </a:extLst>
+          </p:cNvPr>
+          <p:cNvSpPr txBox="1"/>
+          <p:nvPr/>
+        </p:nvSpPr>
+        <p:spPr>
+          <a:xfrm>
+            <a:off x="4432245" y="1094570"/>
+            <a:ext cx="2273923" cy="707886"/>
+          </a:xfrm>
+          <a:prstGeom prst="rect">
+            <a:avLst/>
+          </a:prstGeom>
+          <a:noFill/>
+        </p:spPr>
+        <p:txBody>
+          <a:bodyPr wrap="square" rtlCol="0">
+            <a:spAutoFit/>
+          </a:bodyPr>
+          <a:lstStyle/>
+          <a:p>
+            <a:r>
+              <a:rPr lang="en-IN" sz="4000" dirty="0">
+                <a:solidFill>
+                  <a:schemeClr val="bg1"/>
+                </a:solidFill>
+                <a:latin typeface="Cambria Math" panose="02040503050406030204" pitchFamily="18" charset="0"/>
+                <a:ea typeface="Cambria Math" panose="02040503050406030204" pitchFamily="18" charset="0"/>
+              </a:rPr>
+              <a:t>Founders</a:t>
+            </a:r>
+          </a:p>
+        </p:txBody>
+      </p:sp>
+    </p:spTree>
+    <p:extLst>
+      <p:ext uri="{BB962C8B-B14F-4D97-AF65-F5344CB8AC3E}">
+        <p14:creationId xmlns:p14="http://schemas.microsoft.com/office/powerpoint/2010/main" val="2088243560"/>
       </p:ext>
     </p:extLst>
   </p:cSld>
